--- a/etnic and laws/Ppt 2 -Intellectual Property.pptx
+++ b/etnic and laws/Ppt 2 -Intellectual Property.pptx
@@ -241,7 +241,7 @@
           <a:p>
             <a:fld id="{267342C5-B55D-49BE-BE1F-3470DA7F3112}" type="datetimeFigureOut">
               <a:rPr lang="en-MY" smtClean="0"/>
-              <a:t>3/11/2022</a:t>
+              <a:t>28/11/2022</a:t>
             </a:fld>
             <a:endParaRPr lang="en-MY"/>
           </a:p>
@@ -924,7 +924,7 @@
           <a:p>
             <a:fld id="{A44CA4A8-112C-4179-882C-68D1E15C1D20}" type="datetimeFigureOut">
               <a:rPr lang="en-MY" smtClean="0"/>
-              <a:t>3/11/2022</a:t>
+              <a:t>28/11/2022</a:t>
             </a:fld>
             <a:endParaRPr lang="en-MY"/>
           </a:p>
@@ -1248,7 +1248,7 @@
           <a:p>
             <a:fld id="{A44CA4A8-112C-4179-882C-68D1E15C1D20}" type="datetimeFigureOut">
               <a:rPr lang="en-MY" smtClean="0"/>
-              <a:t>3/11/2022</a:t>
+              <a:t>28/11/2022</a:t>
             </a:fld>
             <a:endParaRPr lang="en-MY"/>
           </a:p>
@@ -1496,7 +1496,7 @@
           <a:p>
             <a:fld id="{A44CA4A8-112C-4179-882C-68D1E15C1D20}" type="datetimeFigureOut">
               <a:rPr lang="en-MY" smtClean="0"/>
-              <a:t>3/11/2022</a:t>
+              <a:t>28/11/2022</a:t>
             </a:fld>
             <a:endParaRPr lang="en-MY"/>
           </a:p>
@@ -1835,7 +1835,7 @@
           <a:p>
             <a:fld id="{A44CA4A8-112C-4179-882C-68D1E15C1D20}" type="datetimeFigureOut">
               <a:rPr lang="en-MY" smtClean="0"/>
-              <a:t>3/11/2022</a:t>
+              <a:t>28/11/2022</a:t>
             </a:fld>
             <a:endParaRPr lang="en-MY"/>
           </a:p>
@@ -2182,7 +2182,7 @@
           <a:p>
             <a:fld id="{A44CA4A8-112C-4179-882C-68D1E15C1D20}" type="datetimeFigureOut">
               <a:rPr lang="en-MY" smtClean="0"/>
-              <a:t>3/11/2022</a:t>
+              <a:t>28/11/2022</a:t>
             </a:fld>
             <a:endParaRPr lang="en-MY"/>
           </a:p>
@@ -2556,7 +2556,7 @@
           <a:p>
             <a:fld id="{A44CA4A8-112C-4179-882C-68D1E15C1D20}" type="datetimeFigureOut">
               <a:rPr lang="en-MY" smtClean="0"/>
-              <a:t>3/11/2022</a:t>
+              <a:t>28/11/2022</a:t>
             </a:fld>
             <a:endParaRPr lang="en-MY"/>
           </a:p>
@@ -3026,7 +3026,7 @@
           <a:p>
             <a:fld id="{A44CA4A8-112C-4179-882C-68D1E15C1D20}" type="datetimeFigureOut">
               <a:rPr lang="en-MY" smtClean="0"/>
-              <a:t>3/11/2022</a:t>
+              <a:t>28/11/2022</a:t>
             </a:fld>
             <a:endParaRPr lang="en-MY"/>
           </a:p>
@@ -3236,7 +3236,7 @@
           <a:p>
             <a:fld id="{A44CA4A8-112C-4179-882C-68D1E15C1D20}" type="datetimeFigureOut">
               <a:rPr lang="en-MY" smtClean="0"/>
-              <a:t>3/11/2022</a:t>
+              <a:t>28/11/2022</a:t>
             </a:fld>
             <a:endParaRPr lang="en-MY"/>
           </a:p>
@@ -3447,7 +3447,7 @@
           <a:p>
             <a:fld id="{A44CA4A8-112C-4179-882C-68D1E15C1D20}" type="datetimeFigureOut">
               <a:rPr lang="en-MY" smtClean="0"/>
-              <a:t>3/11/2022</a:t>
+              <a:t>28/11/2022</a:t>
             </a:fld>
             <a:endParaRPr lang="en-MY"/>
           </a:p>
@@ -3679,7 +3679,7 @@
           <a:p>
             <a:fld id="{A44CA4A8-112C-4179-882C-68D1E15C1D20}" type="datetimeFigureOut">
               <a:rPr lang="en-MY" smtClean="0"/>
-              <a:t>3/11/2022</a:t>
+              <a:t>28/11/2022</a:t>
             </a:fld>
             <a:endParaRPr lang="en-MY"/>
           </a:p>
@@ -3927,7 +3927,7 @@
           <a:p>
             <a:fld id="{A44CA4A8-112C-4179-882C-68D1E15C1D20}" type="datetimeFigureOut">
               <a:rPr lang="en-MY" smtClean="0"/>
-              <a:t>3/11/2022</a:t>
+              <a:t>28/11/2022</a:t>
             </a:fld>
             <a:endParaRPr lang="en-MY"/>
           </a:p>
@@ -4230,7 +4230,7 @@
           <a:p>
             <a:fld id="{A44CA4A8-112C-4179-882C-68D1E15C1D20}" type="datetimeFigureOut">
               <a:rPr lang="en-MY" smtClean="0"/>
-              <a:t>3/11/2022</a:t>
+              <a:t>28/11/2022</a:t>
             </a:fld>
             <a:endParaRPr lang="en-MY"/>
           </a:p>
@@ -4612,7 +4612,7 @@
           <a:p>
             <a:fld id="{A44CA4A8-112C-4179-882C-68D1E15C1D20}" type="datetimeFigureOut">
               <a:rPr lang="en-MY" smtClean="0"/>
-              <a:t>3/11/2022</a:t>
+              <a:t>28/11/2022</a:t>
             </a:fld>
             <a:endParaRPr lang="en-MY"/>
           </a:p>
@@ -4766,7 +4766,7 @@
           <a:p>
             <a:fld id="{A44CA4A8-112C-4179-882C-68D1E15C1D20}" type="datetimeFigureOut">
               <a:rPr lang="en-MY" smtClean="0"/>
-              <a:t>3/11/2022</a:t>
+              <a:t>28/11/2022</a:t>
             </a:fld>
             <a:endParaRPr lang="en-MY"/>
           </a:p>
@@ -4892,7 +4892,7 @@
           <a:p>
             <a:fld id="{A44CA4A8-112C-4179-882C-68D1E15C1D20}" type="datetimeFigureOut">
               <a:rPr lang="en-MY" smtClean="0"/>
-              <a:t>3/11/2022</a:t>
+              <a:t>28/11/2022</a:t>
             </a:fld>
             <a:endParaRPr lang="en-MY"/>
           </a:p>
@@ -5147,7 +5147,7 @@
           <a:p>
             <a:fld id="{A44CA4A8-112C-4179-882C-68D1E15C1D20}" type="datetimeFigureOut">
               <a:rPr lang="en-MY" smtClean="0"/>
-              <a:t>3/11/2022</a:t>
+              <a:t>28/11/2022</a:t>
             </a:fld>
             <a:endParaRPr lang="en-MY"/>
           </a:p>
@@ -5461,7 +5461,7 @@
           <a:p>
             <a:fld id="{A44CA4A8-112C-4179-882C-68D1E15C1D20}" type="datetimeFigureOut">
               <a:rPr lang="en-MY" smtClean="0"/>
-              <a:t>3/11/2022</a:t>
+              <a:t>28/11/2022</a:t>
             </a:fld>
             <a:endParaRPr lang="en-MY"/>
           </a:p>
@@ -5812,7 +5812,7 @@
           <a:p>
             <a:fld id="{A44CA4A8-112C-4179-882C-68D1E15C1D20}" type="datetimeFigureOut">
               <a:rPr lang="en-MY" smtClean="0"/>
-              <a:t>3/11/2022</a:t>
+              <a:t>28/11/2022</a:t>
             </a:fld>
             <a:endParaRPr lang="en-MY"/>
           </a:p>
@@ -8513,7 +8513,12 @@
             <p:ph idx="1"/>
           </p:nvPr>
         </p:nvSpPr>
-        <p:spPr/>
+        <p:spPr>
+          <a:xfrm>
+            <a:off x="971600" y="2780928"/>
+            <a:ext cx="6798736" cy="3444997"/>
+          </a:xfrm>
+        </p:spPr>
         <p:txBody>
           <a:bodyPr>
             <a:normAutofit lnSpcReduction="10000"/>
